--- a/Reports:Notes/Final Presentation.pptx
+++ b/Reports:Notes/Final Presentation.pptx
@@ -7,7 +7,7 @@
   <p:sldIdLst>
     <p:sldId id="256" r:id="rId2"/>
     <p:sldId id="257" r:id="rId3"/>
-    <p:sldId id="258" r:id="rId4"/>
+    <p:sldId id="262" r:id="rId4"/>
     <p:sldId id="259" r:id="rId5"/>
     <p:sldId id="260" r:id="rId6"/>
     <p:sldId id="261" r:id="rId7"/>
@@ -280,7 +280,7 @@
           <a:p>
             <a:fld id="{B36FE15B-82A7-284A-9B8A-B2512C3CF67D}" type="datetimeFigureOut">
               <a:rPr lang="en-US" smtClean="0"/>
-              <a:t>4/29/21</a:t>
+              <a:t>5/3/21</a:t>
             </a:fld>
             <a:endParaRPr lang="en-US"/>
           </a:p>
@@ -450,7 +450,7 @@
           <a:p>
             <a:fld id="{B36FE15B-82A7-284A-9B8A-B2512C3CF67D}" type="datetimeFigureOut">
               <a:rPr lang="en-US" smtClean="0"/>
-              <a:t>4/29/21</a:t>
+              <a:t>5/3/21</a:t>
             </a:fld>
             <a:endParaRPr lang="en-US"/>
           </a:p>
@@ -630,7 +630,7 @@
           <a:p>
             <a:fld id="{B36FE15B-82A7-284A-9B8A-B2512C3CF67D}" type="datetimeFigureOut">
               <a:rPr lang="en-US" smtClean="0"/>
-              <a:t>4/29/21</a:t>
+              <a:t>5/3/21</a:t>
             </a:fld>
             <a:endParaRPr lang="en-US"/>
           </a:p>
@@ -800,7 +800,7 @@
           <a:p>
             <a:fld id="{B36FE15B-82A7-284A-9B8A-B2512C3CF67D}" type="datetimeFigureOut">
               <a:rPr lang="en-US" smtClean="0"/>
-              <a:t>4/29/21</a:t>
+              <a:t>5/3/21</a:t>
             </a:fld>
             <a:endParaRPr lang="en-US"/>
           </a:p>
@@ -1068,7 +1068,7 @@
           <a:p>
             <a:fld id="{B36FE15B-82A7-284A-9B8A-B2512C3CF67D}" type="datetimeFigureOut">
               <a:rPr lang="en-US" smtClean="0"/>
-              <a:t>4/29/21</a:t>
+              <a:t>5/3/21</a:t>
             </a:fld>
             <a:endParaRPr lang="en-US"/>
           </a:p>
@@ -1300,7 +1300,7 @@
           <a:p>
             <a:fld id="{B36FE15B-82A7-284A-9B8A-B2512C3CF67D}" type="datetimeFigureOut">
               <a:rPr lang="en-US" smtClean="0"/>
-              <a:t>4/29/21</a:t>
+              <a:t>5/3/21</a:t>
             </a:fld>
             <a:endParaRPr lang="en-US"/>
           </a:p>
@@ -1659,7 +1659,7 @@
           <a:p>
             <a:fld id="{B36FE15B-82A7-284A-9B8A-B2512C3CF67D}" type="datetimeFigureOut">
               <a:rPr lang="en-US" smtClean="0"/>
-              <a:t>4/29/21</a:t>
+              <a:t>5/3/21</a:t>
             </a:fld>
             <a:endParaRPr lang="en-US"/>
           </a:p>
@@ -1800,7 +1800,7 @@
           <a:p>
             <a:fld id="{B36FE15B-82A7-284A-9B8A-B2512C3CF67D}" type="datetimeFigureOut">
               <a:rPr lang="en-US" smtClean="0"/>
-              <a:t>4/29/21</a:t>
+              <a:t>5/3/21</a:t>
             </a:fld>
             <a:endParaRPr lang="en-US"/>
           </a:p>
@@ -1895,7 +1895,7 @@
           <a:p>
             <a:fld id="{B36FE15B-82A7-284A-9B8A-B2512C3CF67D}" type="datetimeFigureOut">
               <a:rPr lang="en-US" smtClean="0"/>
-              <a:t>4/29/21</a:t>
+              <a:t>5/3/21</a:t>
             </a:fld>
             <a:endParaRPr lang="en-US"/>
           </a:p>
@@ -2252,7 +2252,7 @@
           <a:p>
             <a:fld id="{B36FE15B-82A7-284A-9B8A-B2512C3CF67D}" type="datetimeFigureOut">
               <a:rPr lang="en-US" smtClean="0"/>
-              <a:t>4/29/21</a:t>
+              <a:t>5/3/21</a:t>
             </a:fld>
             <a:endParaRPr lang="en-US"/>
           </a:p>
@@ -2609,7 +2609,7 @@
           <a:p>
             <a:fld id="{B36FE15B-82A7-284A-9B8A-B2512C3CF67D}" type="datetimeFigureOut">
               <a:rPr lang="en-US" smtClean="0"/>
-              <a:t>4/29/21</a:t>
+              <a:t>5/3/21</a:t>
             </a:fld>
             <a:endParaRPr lang="en-US"/>
           </a:p>
@@ -2851,7 +2851,7 @@
           <a:p>
             <a:fld id="{B36FE15B-82A7-284A-9B8A-B2512C3CF67D}" type="datetimeFigureOut">
               <a:rPr lang="en-US" smtClean="0"/>
-              <a:t>4/29/21</a:t>
+              <a:t>5/3/21</a:t>
             </a:fld>
             <a:endParaRPr lang="en-US"/>
           </a:p>
@@ -3416,7 +3416,7 @@
                 </a:solidFill>
                 <a:latin typeface="Times" pitchFamily="2" charset="0"/>
               </a:rPr>
-              <a:t>Solar Energy Forecasting </a:t>
+              <a:t>Solar Energy Forecasting Using Weather Data and ML methods </a:t>
             </a:r>
             <a:br>
               <a:rPr lang="en-US" sz="2800" kern="1200" cap="all" spc="200" baseline="0" dirty="0">
@@ -3499,6 +3499,21 @@
                 <a:latin typeface="Times" pitchFamily="2" charset="0"/>
               </a:rPr>
               <a:t>Electricity production contributes roughly 25% of yearly global greenhouse gas emissions.  As the world seeks to move to a carbon free future, alternative energy sources must be balanced into the grid. </a:t>
+            </a:r>
+          </a:p>
+          <a:p>
+            <a:pPr algn="l"/>
+            <a:r>
+              <a:rPr lang="en-US" dirty="0">
+                <a:solidFill>
+                  <a:schemeClr val="tx1">
+                    <a:lumMod val="85000"/>
+                    <a:lumOff val="15000"/>
+                  </a:schemeClr>
+                </a:solidFill>
+                <a:latin typeface="Times" pitchFamily="2" charset="0"/>
+              </a:rPr>
+              <a:t>Solar energy production is weather dependent and fluctuates throughout the day.</a:t>
             </a:r>
           </a:p>
           <a:p>
@@ -3821,7 +3836,7 @@
                 </a:solidFill>
                 <a:latin typeface="Times" pitchFamily="2" charset="0"/>
               </a:rPr>
-              <a:t>Average energy generated (KW) over the hour, using data from 100 KW grid from Aspire labs for fitting</a:t>
+              <a:t>Average energy generated (KW) over the next hour, using data from 100 KW grid from Aspire labs for fitting</a:t>
             </a:r>
           </a:p>
           <a:p>
@@ -3999,314 +4014,39 @@
           </a:p>
         </p:txBody>
       </p:sp>
-      <p:sp>
-        <p:nvSpPr>
-          <p:cNvPr id="3" name="Content Placeholder 2">
+      <p:pic>
+        <p:nvPicPr>
+          <p:cNvPr id="21" name="Content Placeholder 20" descr="Diagram&#10;&#10;Description automatically generated">
             <a:extLst>
               <a:ext uri="{FF2B5EF4-FFF2-40B4-BE49-F238E27FC236}">
-                <a16:creationId xmlns:a16="http://schemas.microsoft.com/office/drawing/2014/main" id="{D1618CCB-C3D1-2B40-87DD-C1AD96B115D8}"/>
+                <a16:creationId xmlns:a16="http://schemas.microsoft.com/office/drawing/2014/main" id="{73113F0E-933E-E548-8C79-F9B156A37CB5}"/>
               </a:ext>
             </a:extLst>
           </p:cNvPr>
-          <p:cNvSpPr>
-            <a:spLocks noGrp="1"/>
-          </p:cNvSpPr>
+          <p:cNvPicPr>
+            <a:picLocks noGrp="1" noChangeAspect="1"/>
+          </p:cNvPicPr>
           <p:nvPr>
             <p:ph idx="1"/>
           </p:nvPr>
-        </p:nvSpPr>
+        </p:nvPicPr>
+        <p:blipFill>
+          <a:blip r:embed="rId2"/>
+          <a:stretch>
+            <a:fillRect/>
+          </a:stretch>
+        </p:blipFill>
         <p:spPr>
           <a:xfrm>
-            <a:off x="1066799" y="1971478"/>
-            <a:ext cx="6347255" cy="4182187"/>
+            <a:off x="1066801" y="2296243"/>
+            <a:ext cx="10058400" cy="3227226"/>
           </a:xfrm>
         </p:spPr>
-        <p:txBody>
-          <a:bodyPr>
-            <a:normAutofit fontScale="92500" lnSpcReduction="20000"/>
-          </a:bodyPr>
-          <a:lstStyle/>
-          <a:p>
-            <a:pPr marL="0" indent="0">
-              <a:buNone/>
-            </a:pPr>
-            <a:r>
-              <a:rPr lang="en-US" sz="3200" dirty="0">
-                <a:latin typeface="Times" pitchFamily="2" charset="0"/>
-              </a:rPr>
-              <a:t>Pandas used for data cleaning </a:t>
-            </a:r>
-          </a:p>
-          <a:p>
-            <a:pPr lvl="1"/>
-            <a:r>
-              <a:rPr lang="en-US" sz="1800" dirty="0">
-                <a:latin typeface="Times" pitchFamily="2" charset="0"/>
-              </a:rPr>
-              <a:t>31% of raw solar data was corrupted </a:t>
-            </a:r>
-          </a:p>
-          <a:p>
-            <a:pPr lvl="1"/>
-            <a:r>
-              <a:rPr lang="en-US" sz="1800" dirty="0">
-                <a:latin typeface="Times" pitchFamily="2" charset="0"/>
-              </a:rPr>
-              <a:t>Solar data down sampled  from 2 – 500 data points per hour to a single average value </a:t>
-            </a:r>
-          </a:p>
-          <a:p>
-            <a:pPr marL="0" indent="0">
-              <a:buNone/>
-            </a:pPr>
-            <a:r>
-              <a:rPr lang="en-US" sz="3200" dirty="0">
-                <a:latin typeface="Times" pitchFamily="2" charset="0"/>
-              </a:rPr>
-              <a:t>Scikit Learn for data scaling</a:t>
-            </a:r>
-          </a:p>
-          <a:p>
-            <a:pPr lvl="1"/>
-            <a:r>
-              <a:rPr lang="en-US" sz="1800" dirty="0">
-                <a:latin typeface="Times" pitchFamily="2" charset="0"/>
-              </a:rPr>
-              <a:t>Quantile Transformer with uniform distribution for output</a:t>
-            </a:r>
-          </a:p>
-          <a:p>
-            <a:pPr lvl="1"/>
-            <a:r>
-              <a:rPr lang="en-US" sz="1800" dirty="0" err="1">
-                <a:latin typeface="Times" pitchFamily="2" charset="0"/>
-              </a:rPr>
-              <a:t>MinMax</a:t>
-            </a:r>
-            <a:r>
-              <a:rPr lang="en-US" sz="1800" dirty="0">
-                <a:latin typeface="Times" pitchFamily="2" charset="0"/>
-              </a:rPr>
-              <a:t> Scaler for input </a:t>
-            </a:r>
-          </a:p>
-          <a:p>
-            <a:pPr marL="0" indent="0">
-              <a:buNone/>
-            </a:pPr>
-            <a:r>
-              <a:rPr lang="en-US" sz="3200" dirty="0">
-                <a:latin typeface="Times" pitchFamily="2" charset="0"/>
-              </a:rPr>
-              <a:t>Scikit Learn and </a:t>
-            </a:r>
-            <a:r>
-              <a:rPr lang="en-US" sz="3200" dirty="0" err="1">
-                <a:latin typeface="Times" pitchFamily="2" charset="0"/>
-              </a:rPr>
-              <a:t>Keras</a:t>
-            </a:r>
-            <a:r>
-              <a:rPr lang="en-US" sz="3200" dirty="0">
-                <a:latin typeface="Times" pitchFamily="2" charset="0"/>
-              </a:rPr>
-              <a:t> for regression fitting</a:t>
-            </a:r>
-          </a:p>
-          <a:p>
-            <a:pPr lvl="1"/>
-            <a:r>
-              <a:rPr lang="en-US" sz="1800" dirty="0">
-                <a:latin typeface="Times" pitchFamily="2" charset="0"/>
-              </a:rPr>
-              <a:t>85% - 15% training – validation split</a:t>
-            </a:r>
-          </a:p>
-          <a:p>
-            <a:pPr lvl="1"/>
-            <a:r>
-              <a:rPr lang="en-US" sz="1800" dirty="0">
-                <a:latin typeface="Times" pitchFamily="2" charset="0"/>
-              </a:rPr>
-              <a:t>Fit KNN, RF, SVR, ANN, RNN models </a:t>
-            </a:r>
-          </a:p>
-          <a:p>
-            <a:endParaRPr lang="en-US" dirty="0">
-              <a:latin typeface="Times" pitchFamily="2" charset="0"/>
-            </a:endParaRPr>
-          </a:p>
-          <a:p>
-            <a:pPr lvl="1"/>
-            <a:endParaRPr lang="en-US" dirty="0">
-              <a:latin typeface="Times" pitchFamily="2" charset="0"/>
-            </a:endParaRPr>
-          </a:p>
-          <a:p>
-            <a:pPr lvl="1"/>
-            <a:endParaRPr lang="en-US" dirty="0">
-              <a:latin typeface="Times" pitchFamily="2" charset="0"/>
-            </a:endParaRPr>
-          </a:p>
-        </p:txBody>
-      </p:sp>
-      <mc:AlternateContent xmlns:mc="http://schemas.openxmlformats.org/markup-compatibility/2006">
-        <mc:Choice xmlns:a14="http://schemas.microsoft.com/office/drawing/2010/main" Requires="a14">
-          <p:sp>
-            <p:nvSpPr>
-              <p:cNvPr id="4" name="TextBox 3">
-                <a:extLst>
-                  <a:ext uri="{FF2B5EF4-FFF2-40B4-BE49-F238E27FC236}">
-                    <a16:creationId xmlns:a16="http://schemas.microsoft.com/office/drawing/2014/main" id="{EDC8419C-7343-A342-8EC4-4410826A6619}"/>
-                  </a:ext>
-                </a:extLst>
-              </p:cNvPr>
-              <p:cNvSpPr txBox="1"/>
-              <p:nvPr/>
-            </p:nvSpPr>
-            <p:spPr>
-              <a:xfrm>
-                <a:off x="7414054" y="1971478"/>
-                <a:ext cx="4695570" cy="1384995"/>
-              </a:xfrm>
-              <a:prstGeom prst="rect">
-                <a:avLst/>
-              </a:prstGeom>
-              <a:noFill/>
-            </p:spPr>
-            <p:txBody>
-              <a:bodyPr wrap="square" rtlCol="0">
-                <a:spAutoFit/>
-              </a:bodyPr>
-              <a:lstStyle/>
-              <a:p>
-                <a:r>
-                  <a:rPr lang="en-US" sz="3000" dirty="0">
-                    <a:latin typeface="Times" pitchFamily="2" charset="0"/>
-                  </a:rPr>
-                  <a:t>Model scoring </a:t>
-                </a:r>
-              </a:p>
-              <a:p>
-                <a:pPr marL="742950" lvl="1" indent="-285750">
-                  <a:buFont typeface="Arial" panose="020B0604020202020204" pitchFamily="34" charset="0"/>
-                  <a:buChar char="•"/>
-                </a:pPr>
-                <a:r>
-                  <a:rPr lang="en-US" dirty="0">
-                    <a:latin typeface="Times" pitchFamily="2" charset="0"/>
-                  </a:rPr>
-                  <a:t>Mean Absolute Error (MAE)</a:t>
-                </a:r>
-              </a:p>
-              <a:p>
-                <a:pPr marL="742950" lvl="1" indent="-285750">
-                  <a:buFont typeface="Arial" panose="020B0604020202020204" pitchFamily="34" charset="0"/>
-                  <a:buChar char="•"/>
-                </a:pPr>
-                <a:r>
-                  <a:rPr lang="en-US" dirty="0">
-                    <a:latin typeface="Times" pitchFamily="2" charset="0"/>
-                  </a:rPr>
-                  <a:t>Mean Percent Error (MPE)</a:t>
-                </a:r>
-              </a:p>
-              <a:p>
-                <a:pPr marL="742950" lvl="1" indent="-285750">
-                  <a:buFont typeface="Arial" panose="020B0604020202020204" pitchFamily="34" charset="0"/>
-                  <a:buChar char="•"/>
-                </a:pPr>
-                <a:r>
-                  <a:rPr lang="en-US" dirty="0">
-                    <a:latin typeface="Times" pitchFamily="2" charset="0"/>
-                  </a:rPr>
-                  <a:t>Coefficient of determination </a:t>
-                </a:r>
-                <a14:m>
-                  <m:oMath xmlns:m="http://schemas.openxmlformats.org/officeDocument/2006/math">
-                    <m:sSup>
-                      <m:sSupPr>
-                        <m:ctrlPr>
-                          <a:rPr lang="en-US" i="1">
-                            <a:latin typeface="Cambria Math" panose="02040503050406030204" pitchFamily="18" charset="0"/>
-                          </a:rPr>
-                        </m:ctrlPr>
-                      </m:sSupPr>
-                      <m:e>
-                        <m:r>
-                          <a:rPr lang="en-US" i="1">
-                            <a:latin typeface="Cambria Math" panose="02040503050406030204" pitchFamily="18" charset="0"/>
-                          </a:rPr>
-                          <m:t>𝑅</m:t>
-                        </m:r>
-                      </m:e>
-                      <m:sup>
-                        <m:r>
-                          <a:rPr lang="en-US" i="1">
-                            <a:latin typeface="Cambria Math" panose="02040503050406030204" pitchFamily="18" charset="0"/>
-                          </a:rPr>
-                          <m:t>2</m:t>
-                        </m:r>
-                      </m:sup>
-                    </m:sSup>
-                  </m:oMath>
-                </a14:m>
-                <a:endParaRPr lang="en-US" dirty="0">
-                  <a:latin typeface="Times" pitchFamily="2" charset="0"/>
-                </a:endParaRPr>
-              </a:p>
-            </p:txBody>
-          </p:sp>
-        </mc:Choice>
-        <mc:Fallback>
-          <p:sp>
-            <p:nvSpPr>
-              <p:cNvPr id="4" name="TextBox 3">
-                <a:extLst>
-                  <a:ext uri="{FF2B5EF4-FFF2-40B4-BE49-F238E27FC236}">
-                    <a16:creationId xmlns:a16="http://schemas.microsoft.com/office/drawing/2014/main" id="{EDC8419C-7343-A342-8EC4-4410826A6619}"/>
-                  </a:ext>
-                </a:extLst>
-              </p:cNvPr>
-              <p:cNvSpPr txBox="1">
-                <a:spLocks noRot="1" noChangeAspect="1" noMove="1" noResize="1" noEditPoints="1" noAdjustHandles="1" noChangeArrowheads="1" noChangeShapeType="1" noTextEdit="1"/>
-              </p:cNvSpPr>
-              <p:nvPr/>
-            </p:nvSpPr>
-            <p:spPr>
-              <a:xfrm>
-                <a:off x="7414054" y="1971478"/>
-                <a:ext cx="4695570" cy="1384995"/>
-              </a:xfrm>
-              <a:prstGeom prst="rect">
-                <a:avLst/>
-              </a:prstGeom>
-              <a:blipFill>
-                <a:blip r:embed="rId2"/>
-                <a:stretch>
-                  <a:fillRect l="-2965" t="-5455" b="-6364"/>
-                </a:stretch>
-              </a:blipFill>
-            </p:spPr>
-            <p:txBody>
-              <a:bodyPr/>
-              <a:lstStyle/>
-              <a:p>
-                <a:r>
-                  <a:rPr lang="en-US">
-                    <a:noFill/>
-                  </a:rPr>
-                  <a:t> </a:t>
-                </a:r>
-              </a:p>
-            </p:txBody>
-          </p:sp>
-        </mc:Fallback>
-      </mc:AlternateContent>
+      </p:pic>
     </p:spTree>
     <p:extLst>
       <p:ext uri="{BB962C8B-B14F-4D97-AF65-F5344CB8AC3E}">
-        <p14:creationId xmlns:p14="http://schemas.microsoft.com/office/powerpoint/2010/main" val="1375880123"/>
+        <p14:creationId xmlns:p14="http://schemas.microsoft.com/office/powerpoint/2010/main" val="4176626100"/>
       </p:ext>
     </p:extLst>
   </p:cSld>
@@ -4322,7 +4062,9 @@
     <p:bg>
       <p:bgPr>
         <a:solidFill>
-          <a:schemeClr val="bg2"/>
+          <a:schemeClr val="bg1">
+            <a:lumMod val="95000"/>
+          </a:schemeClr>
         </a:solidFill>
         <a:effectLst/>
       </p:bgPr>
@@ -4343,10 +4085,10 @@
       </p:grpSpPr>
       <p:sp useBgFill="1">
         <p:nvSpPr>
-          <p:cNvPr id="8" name="Rectangle 7">
+          <p:cNvPr id="26" name="Rectangle 25">
             <a:extLst>
               <a:ext uri="{FF2B5EF4-FFF2-40B4-BE49-F238E27FC236}">
-                <a16:creationId xmlns:a16="http://schemas.microsoft.com/office/drawing/2014/main" id="{6C9F9EF0-93D5-4D4B-BAFE-4770028147DD}"/>
+                <a16:creationId xmlns:a16="http://schemas.microsoft.com/office/drawing/2014/main" id="{1660E788-AFA9-4A1B-9991-6AA74632A15B}"/>
               </a:ext>
               <a:ext uri="{C183D7F6-B498-43B3-948B-1728B52AA6E4}">
                 <adec:decorative xmlns:adec="http://schemas.microsoft.com/office/drawing/2017/decorative" val="1"/>
@@ -4367,7 +4109,7 @@
         <p:spPr>
           <a:xfrm>
             <a:off x="0" y="0"/>
-            <a:ext cx="12192000" cy="6858000"/>
+            <a:ext cx="12191999" cy="6858000"/>
           </a:xfrm>
           <a:prstGeom prst="rect">
             <a:avLst/>
@@ -4403,6 +4145,67 @@
       </p:sp>
       <p:sp>
         <p:nvSpPr>
+          <p:cNvPr id="28" name="Rectangle 27">
+            <a:extLst>
+              <a:ext uri="{FF2B5EF4-FFF2-40B4-BE49-F238E27FC236}">
+                <a16:creationId xmlns:a16="http://schemas.microsoft.com/office/drawing/2014/main" id="{867D4867-5BA7-4462-B2F6-A23F4A622AA7}"/>
+              </a:ext>
+              <a:ext uri="{C183D7F6-B498-43B3-948B-1728B52AA6E4}">
+                <adec:decorative xmlns:adec="http://schemas.microsoft.com/office/drawing/2017/decorative" val="1"/>
+              </a:ext>
+            </a:extLst>
+          </p:cNvPr>
+          <p:cNvSpPr>
+            <a:spLocks noGrp="1" noRot="1" noChangeAspect="1" noMove="1" noResize="1" noEditPoints="1" noAdjustHandles="1" noChangeArrowheads="1" noChangeShapeType="1" noTextEdit="1"/>
+          </p:cNvSpPr>
+          <p:nvPr>
+            <p:extLst>
+              <p:ext uri="{386F3935-93C4-4BCD-93E2-E3B085C9AB24}">
+                <p16:designElem xmlns:p16="http://schemas.microsoft.com/office/powerpoint/2015/main" val="1"/>
+              </p:ext>
+            </p:extLst>
+          </p:nvPr>
+        </p:nvSpPr>
+        <p:spPr>
+          <a:xfrm>
+            <a:off x="-1" y="0"/>
+            <a:ext cx="7544653" cy="6858000"/>
+          </a:xfrm>
+          <a:prstGeom prst="rect">
+            <a:avLst/>
+          </a:prstGeom>
+          <a:solidFill>
+            <a:schemeClr val="tx2"/>
+          </a:solidFill>
+          <a:ln>
+            <a:noFill/>
+          </a:ln>
+        </p:spPr>
+        <p:style>
+          <a:lnRef idx="0">
+            <a:scrgbClr r="0" g="0" b="0"/>
+          </a:lnRef>
+          <a:fillRef idx="0">
+            <a:scrgbClr r="0" g="0" b="0"/>
+          </a:fillRef>
+          <a:effectRef idx="0">
+            <a:scrgbClr r="0" g="0" b="0"/>
+          </a:effectRef>
+          <a:fontRef idx="minor">
+            <a:schemeClr val="lt1"/>
+          </a:fontRef>
+        </p:style>
+        <p:txBody>
+          <a:bodyPr rtlCol="0" anchor="ctr"/>
+          <a:lstStyle/>
+          <a:p>
+            <a:pPr algn="ctr"/>
+            <a:endParaRPr lang="en-US"/>
+          </a:p>
+        </p:txBody>
+      </p:sp>
+      <p:sp>
+        <p:nvSpPr>
           <p:cNvPr id="2" name="Title 1">
             <a:extLst>
               <a:ext uri="{FF2B5EF4-FFF2-40B4-BE49-F238E27FC236}">
@@ -4419,22 +4222,18 @@
         </p:nvSpPr>
         <p:spPr>
           <a:xfrm>
-            <a:off x="1066140" y="634179"/>
-            <a:ext cx="10059719" cy="1369685"/>
+            <a:off x="643466" y="643467"/>
+            <a:ext cx="6242719" cy="1728044"/>
           </a:xfrm>
-          <a:solidFill>
-            <a:srgbClr val="FFFFFF">
-              <a:alpha val="10000"/>
-            </a:srgbClr>
-          </a:solidFill>
+          <a:noFill/>
           <a:ln>
             <a:solidFill>
-              <a:schemeClr val="tx1"/>
+              <a:schemeClr val="bg1"/>
             </a:solidFill>
           </a:ln>
         </p:spPr>
         <p:txBody>
-          <a:bodyPr>
+          <a:bodyPr vert="horz" wrap="square" lIns="182880" tIns="182880" rIns="182880" bIns="182880" rtlCol="0" anchor="ctr">
             <a:normAutofit/>
           </a:bodyPr>
           <a:lstStyle/>
@@ -4442,65 +4241,158 @@
             <a:r>
               <a:rPr lang="en-US" dirty="0">
                 <a:solidFill>
-                  <a:schemeClr val="tx1"/>
+                  <a:schemeClr val="bg1"/>
                 </a:solidFill>
-                <a:latin typeface="Times" pitchFamily="2" charset="0"/>
+                <a:latin typeface="Times New Roman" panose="02020603050405020304" pitchFamily="18" charset="0"/>
+                <a:cs typeface="Times New Roman" panose="02020603050405020304" pitchFamily="18" charset="0"/>
               </a:rPr>
               <a:t>Results</a:t>
             </a:r>
           </a:p>
         </p:txBody>
       </p:sp>
-      <p:sp>
-        <p:nvSpPr>
-          <p:cNvPr id="3" name="Content Placeholder 2">
+      <p:pic>
+        <p:nvPicPr>
+          <p:cNvPr id="10" name="Picture 9" descr="Chart, scatter chart&#10;&#10;Description automatically generated">
             <a:extLst>
               <a:ext uri="{FF2B5EF4-FFF2-40B4-BE49-F238E27FC236}">
-                <a16:creationId xmlns:a16="http://schemas.microsoft.com/office/drawing/2014/main" id="{28BE2F5A-0699-6048-9223-850368AFA375}"/>
+                <a16:creationId xmlns:a16="http://schemas.microsoft.com/office/drawing/2014/main" id="{D065C1AD-00C8-E048-A82C-9FE99C1319B3}"/>
               </a:ext>
             </a:extLst>
           </p:cNvPr>
-          <p:cNvSpPr>
-            <a:spLocks noGrp="1"/>
-          </p:cNvSpPr>
-          <p:nvPr>
-            <p:ph idx="1"/>
-          </p:nvPr>
-        </p:nvSpPr>
+          <p:cNvPicPr>
+            <a:picLocks noChangeAspect="1"/>
+          </p:cNvPicPr>
+          <p:nvPr/>
+        </p:nvPicPr>
+        <p:blipFill>
+          <a:blip r:embed="rId2"/>
+          <a:stretch>
+            <a:fillRect/>
+          </a:stretch>
+        </p:blipFill>
         <p:spPr>
           <a:xfrm>
-            <a:off x="1066140" y="2003864"/>
-            <a:ext cx="10059719" cy="4219955"/>
+            <a:off x="8188118" y="3470476"/>
+            <a:ext cx="3170831" cy="3162904"/>
           </a:xfrm>
+          <a:prstGeom prst="rect">
+            <a:avLst/>
+          </a:prstGeom>
         </p:spPr>
-        <p:txBody>
-          <a:bodyPr>
+      </p:pic>
+      <p:sp>
+        <p:nvSpPr>
+          <p:cNvPr id="7" name="TextBox 6">
+            <a:extLst>
+              <a:ext uri="{FF2B5EF4-FFF2-40B4-BE49-F238E27FC236}">
+                <a16:creationId xmlns:a16="http://schemas.microsoft.com/office/drawing/2014/main" id="{E2817F67-21DD-A449-AFCF-1E40560324AC}"/>
+              </a:ext>
+            </a:extLst>
+          </p:cNvPr>
+          <p:cNvSpPr txBox="1"/>
+          <p:nvPr/>
+        </p:nvSpPr>
+        <p:spPr>
+          <a:xfrm>
+            <a:off x="643467" y="2638044"/>
+            <a:ext cx="6242715" cy="3415622"/>
+          </a:xfrm>
+          <a:prstGeom prst="rect">
+            <a:avLst/>
+          </a:prstGeom>
+        </p:spPr>
+        <p:txBody>
+          <a:bodyPr vert="horz" lIns="91440" tIns="45720" rIns="91440" bIns="45720" rtlCol="0">
             <a:normAutofit/>
           </a:bodyPr>
           <a:lstStyle/>
           <a:p>
+            <a:pPr indent="-228600" defTabSz="914400">
+              <a:spcBef>
+                <a:spcPts val="1000"/>
+              </a:spcBef>
+              <a:buClr>
+                <a:schemeClr val="accent2"/>
+              </a:buClr>
+              <a:buFont typeface="Arial" panose="020B0604020202020204" pitchFamily="34" charset="0"/>
+              <a:buChar char="•"/>
+            </a:pPr>
             <a:r>
               <a:rPr lang="en-US" dirty="0">
-                <a:latin typeface="Times" pitchFamily="2" charset="0"/>
+                <a:solidFill>
+                  <a:schemeClr val="bg1"/>
+                </a:solidFill>
+                <a:latin typeface="Times New Roman" panose="02020603050405020304" pitchFamily="18" charset="0"/>
+                <a:cs typeface="Times New Roman" panose="02020603050405020304" pitchFamily="18" charset="0"/>
               </a:rPr>
-              <a:t># slide 4</a:t>
-            </a:r>
-          </a:p>
-          <a:p>
-            <a:r>
-              <a:rPr lang="en-US" dirty="0">
-                <a:latin typeface="Times" pitchFamily="2" charset="0"/>
-              </a:rPr>
-              <a:t># Results</a:t>
-            </a:r>
-          </a:p>
-          <a:p>
-            <a:endParaRPr lang="en-US" dirty="0">
-              <a:latin typeface="Times" pitchFamily="2" charset="0"/>
-            </a:endParaRPr>
-          </a:p>
-        </p:txBody>
-      </p:sp>
+              <a:t>Random forests performed best in every experiment</a:t>
+            </a:r>
+          </a:p>
+        </p:txBody>
+      </p:sp>
+      <p:pic>
+        <p:nvPicPr>
+          <p:cNvPr id="5" name="Content Placeholder 4" descr="A picture containing text, receipt, screenshot&#10;&#10;Description automatically generated">
+            <a:extLst>
+              <a:ext uri="{FF2B5EF4-FFF2-40B4-BE49-F238E27FC236}">
+                <a16:creationId xmlns:a16="http://schemas.microsoft.com/office/drawing/2014/main" id="{FB18A935-A4F9-E74B-A188-885BA451E5F2}"/>
+              </a:ext>
+            </a:extLst>
+          </p:cNvPr>
+          <p:cNvPicPr>
+            <a:picLocks noGrp="1" noChangeAspect="1"/>
+          </p:cNvPicPr>
+          <p:nvPr>
+            <p:ph idx="1"/>
+          </p:nvPr>
+        </p:nvPicPr>
+        <p:blipFill>
+          <a:blip r:embed="rId3"/>
+          <a:stretch>
+            <a:fillRect/>
+          </a:stretch>
+        </p:blipFill>
+        <p:spPr>
+          <a:xfrm>
+            <a:off x="517245" y="3429000"/>
+            <a:ext cx="6295337" cy="2801423"/>
+          </a:xfrm>
+          <a:prstGeom prst="rect">
+            <a:avLst/>
+          </a:prstGeom>
+        </p:spPr>
+      </p:pic>
+      <p:pic>
+        <p:nvPicPr>
+          <p:cNvPr id="12" name="Picture 11" descr="Chart, scatter chart&#10;&#10;Description automatically generated">
+            <a:extLst>
+              <a:ext uri="{FF2B5EF4-FFF2-40B4-BE49-F238E27FC236}">
+                <a16:creationId xmlns:a16="http://schemas.microsoft.com/office/drawing/2014/main" id="{8CAAA1DA-6E5C-6341-97DC-8DBA100673C6}"/>
+              </a:ext>
+            </a:extLst>
+          </p:cNvPr>
+          <p:cNvPicPr>
+            <a:picLocks noChangeAspect="1"/>
+          </p:cNvPicPr>
+          <p:nvPr/>
+        </p:nvPicPr>
+        <p:blipFill>
+          <a:blip r:embed="rId4"/>
+          <a:stretch>
+            <a:fillRect/>
+          </a:stretch>
+        </p:blipFill>
+        <p:spPr>
+          <a:xfrm>
+            <a:off x="8188118" y="59230"/>
+            <a:ext cx="3360415" cy="3352016"/>
+          </a:xfrm>
+          <a:prstGeom prst="rect">
+            <a:avLst/>
+          </a:prstGeom>
+        </p:spPr>
+      </p:pic>
     </p:spTree>
     <p:extLst>
       <p:ext uri="{BB962C8B-B14F-4D97-AF65-F5344CB8AC3E}">
@@ -4509,7 +4401,7 @@
     </p:extLst>
   </p:cSld>
   <p:clrMapOvr>
-    <a:overrideClrMapping bg1="dk1" tx1="lt1" bg2="dk2" tx2="lt2" accent1="accent1" accent2="accent2" accent3="accent3" accent4="accent4" accent5="accent5" accent6="accent6" hlink="hlink" folHlink="folHlink"/>
+    <a:masterClrMapping/>
   </p:clrMapOvr>
 </p:sld>
 </file>
@@ -4684,49 +4576,54 @@
               <a:rPr lang="en-US" sz="3200" dirty="0">
                 <a:latin typeface="Times" pitchFamily="2" charset="0"/>
               </a:rPr>
-              <a:t>Future work</a:t>
-            </a:r>
-          </a:p>
-          <a:p>
-            <a:pPr marL="0" indent="0">
-              <a:buNone/>
-            </a:pPr>
+              <a:t>Conclusions</a:t>
+            </a:r>
+          </a:p>
+          <a:p>
             <a:r>
               <a:rPr lang="en-US" sz="2000" dirty="0">
                 <a:latin typeface="Times" pitchFamily="2" charset="0"/>
               </a:rPr>
-              <a:t>adapt models to be compatible with weather forecast data</a:t>
-            </a:r>
-          </a:p>
-          <a:p>
-            <a:pPr marL="0" indent="0">
-              <a:buNone/>
-            </a:pPr>
-            <a:r>
-              <a:rPr lang="en-US" sz="3200" dirty="0">
+              <a:t>This project produced a model that can predict next hour generation with a reasonable amount of error.</a:t>
+            </a:r>
+          </a:p>
+          <a:p>
+            <a:r>
+              <a:rPr lang="en-US" sz="2000" dirty="0">
                 <a:latin typeface="Times" pitchFamily="2" charset="0"/>
               </a:rPr>
-              <a:t>Conclusions</a:t>
+              <a:t>Scaling output data to a normal distribution helps the model to not underestimate generation during peak hours.</a:t>
+            </a:r>
+          </a:p>
+          <a:p>
+            <a:r>
+              <a:rPr lang="en-US" sz="2000" dirty="0">
+                <a:latin typeface="Times" pitchFamily="2" charset="0"/>
+              </a:rPr>
+              <a:t>Fitting models based on seasons produces lower error than using a model fit on several. </a:t>
+            </a:r>
+          </a:p>
+          <a:p>
+            <a:r>
+              <a:rPr lang="en-US" sz="2000" dirty="0">
+                <a:latin typeface="Times" pitchFamily="2" charset="0"/>
+              </a:rPr>
+              <a:t>Future work can adapt this model and data set to be compatible with weather forecasts. </a:t>
+            </a:r>
+          </a:p>
+          <a:p>
+            <a:r>
+              <a:rPr lang="en-US" sz="2000" dirty="0">
+                <a:latin typeface="Times" pitchFamily="2" charset="0"/>
+              </a:rPr>
+              <a:t>Additional future work can integrate the generation and demand prediction to make an optimal use/store decision.</a:t>
             </a:r>
           </a:p>
           <a:p>
             <a:pPr marL="0" indent="0">
               <a:buNone/>
             </a:pPr>
-            <a:endParaRPr lang="en-US" sz="3200" dirty="0">
-              <a:latin typeface="Times" pitchFamily="2" charset="0"/>
-            </a:endParaRPr>
-          </a:p>
-          <a:p>
-            <a:pPr marL="0" indent="0">
-              <a:buNone/>
-            </a:pPr>
-            <a:endParaRPr lang="en-US" sz="3200" dirty="0">
-              <a:latin typeface="Times" pitchFamily="2" charset="0"/>
-            </a:endParaRPr>
-          </a:p>
-          <a:p>
-            <a:endParaRPr lang="en-US" dirty="0">
+            <a:endParaRPr lang="en-US" sz="2000" dirty="0">
               <a:latin typeface="Times" pitchFamily="2" charset="0"/>
             </a:endParaRPr>
           </a:p>
